--- a/berkas buat buku/cover buku/cover buku.pptx
+++ b/berkas buat buku/cover buku/cover buku.pptx
@@ -244,7 +244,7 @@
           <a:p>
             <a:fld id="{CF346C2E-F0E9-4337-98E9-3568FCCC73E9}" type="datetimeFigureOut">
               <a:rPr lang="id-ID" smtClean="0"/>
-              <a:t>12/03/2020</a:t>
+              <a:t>01/04/2020</a:t>
             </a:fld>
             <a:endParaRPr lang="id-ID"/>
           </a:p>
@@ -414,7 +414,7 @@
           <a:p>
             <a:fld id="{CF346C2E-F0E9-4337-98E9-3568FCCC73E9}" type="datetimeFigureOut">
               <a:rPr lang="id-ID" smtClean="0"/>
-              <a:t>12/03/2020</a:t>
+              <a:t>01/04/2020</a:t>
             </a:fld>
             <a:endParaRPr lang="id-ID"/>
           </a:p>
@@ -594,7 +594,7 @@
           <a:p>
             <a:fld id="{CF346C2E-F0E9-4337-98E9-3568FCCC73E9}" type="datetimeFigureOut">
               <a:rPr lang="id-ID" smtClean="0"/>
-              <a:t>12/03/2020</a:t>
+              <a:t>01/04/2020</a:t>
             </a:fld>
             <a:endParaRPr lang="id-ID"/>
           </a:p>
@@ -764,7 +764,7 @@
           <a:p>
             <a:fld id="{CF346C2E-F0E9-4337-98E9-3568FCCC73E9}" type="datetimeFigureOut">
               <a:rPr lang="id-ID" smtClean="0"/>
-              <a:t>12/03/2020</a:t>
+              <a:t>01/04/2020</a:t>
             </a:fld>
             <a:endParaRPr lang="id-ID"/>
           </a:p>
@@ -1008,7 +1008,7 @@
           <a:p>
             <a:fld id="{CF346C2E-F0E9-4337-98E9-3568FCCC73E9}" type="datetimeFigureOut">
               <a:rPr lang="id-ID" smtClean="0"/>
-              <a:t>12/03/2020</a:t>
+              <a:t>01/04/2020</a:t>
             </a:fld>
             <a:endParaRPr lang="id-ID"/>
           </a:p>
@@ -1240,7 +1240,7 @@
           <a:p>
             <a:fld id="{CF346C2E-F0E9-4337-98E9-3568FCCC73E9}" type="datetimeFigureOut">
               <a:rPr lang="id-ID" smtClean="0"/>
-              <a:t>12/03/2020</a:t>
+              <a:t>01/04/2020</a:t>
             </a:fld>
             <a:endParaRPr lang="id-ID"/>
           </a:p>
@@ -1607,7 +1607,7 @@
           <a:p>
             <a:fld id="{CF346C2E-F0E9-4337-98E9-3568FCCC73E9}" type="datetimeFigureOut">
               <a:rPr lang="id-ID" smtClean="0"/>
-              <a:t>12/03/2020</a:t>
+              <a:t>01/04/2020</a:t>
             </a:fld>
             <a:endParaRPr lang="id-ID"/>
           </a:p>
@@ -1725,7 +1725,7 @@
           <a:p>
             <a:fld id="{CF346C2E-F0E9-4337-98E9-3568FCCC73E9}" type="datetimeFigureOut">
               <a:rPr lang="id-ID" smtClean="0"/>
-              <a:t>12/03/2020</a:t>
+              <a:t>01/04/2020</a:t>
             </a:fld>
             <a:endParaRPr lang="id-ID"/>
           </a:p>
@@ -1820,7 +1820,7 @@
           <a:p>
             <a:fld id="{CF346C2E-F0E9-4337-98E9-3568FCCC73E9}" type="datetimeFigureOut">
               <a:rPr lang="id-ID" smtClean="0"/>
-              <a:t>12/03/2020</a:t>
+              <a:t>01/04/2020</a:t>
             </a:fld>
             <a:endParaRPr lang="id-ID"/>
           </a:p>
@@ -2097,7 +2097,7 @@
           <a:p>
             <a:fld id="{CF346C2E-F0E9-4337-98E9-3568FCCC73E9}" type="datetimeFigureOut">
               <a:rPr lang="id-ID" smtClean="0"/>
-              <a:t>12/03/2020</a:t>
+              <a:t>01/04/2020</a:t>
             </a:fld>
             <a:endParaRPr lang="id-ID"/>
           </a:p>
@@ -2354,7 +2354,7 @@
           <a:p>
             <a:fld id="{CF346C2E-F0E9-4337-98E9-3568FCCC73E9}" type="datetimeFigureOut">
               <a:rPr lang="id-ID" smtClean="0"/>
-              <a:t>12/03/2020</a:t>
+              <a:t>01/04/2020</a:t>
             </a:fld>
             <a:endParaRPr lang="id-ID"/>
           </a:p>
@@ -2567,7 +2567,7 @@
           <a:p>
             <a:fld id="{CF346C2E-F0E9-4337-98E9-3568FCCC73E9}" type="datetimeFigureOut">
               <a:rPr lang="id-ID" smtClean="0"/>
-              <a:t>12/03/2020</a:t>
+              <a:t>01/04/2020</a:t>
             </a:fld>
             <a:endParaRPr lang="id-ID"/>
           </a:p>
@@ -4803,6 +4803,41 @@
           </a:p>
         </p:txBody>
       </p:sp>
+      <p:pic>
+        <p:nvPicPr>
+          <p:cNvPr id="4" name="Picture 3">
+            <a:extLst>
+              <a:ext uri="{FF2B5EF4-FFF2-40B4-BE49-F238E27FC236}">
+                <a16:creationId xmlns:a16="http://schemas.microsoft.com/office/drawing/2014/main" id="{ECAE7B5C-DA27-48D1-80FD-26D0DA0D7DA4}"/>
+              </a:ext>
+            </a:extLst>
+          </p:cNvPr>
+          <p:cNvPicPr>
+            <a:picLocks noChangeAspect="1"/>
+          </p:cNvPicPr>
+          <p:nvPr/>
+        </p:nvPicPr>
+        <p:blipFill rotWithShape="1">
+          <a:blip r:embed="rId3">
+            <a:extLst>
+              <a:ext uri="{28A0092B-C50C-407E-A947-70E740481C1C}">
+                <a14:useLocalDpi xmlns:a14="http://schemas.microsoft.com/office/drawing/2010/main" val="0"/>
+              </a:ext>
+            </a:extLst>
+          </a:blip>
+          <a:srcRect l="9879" t="4039" r="16610" b="67038"/>
+          <a:stretch/>
+        </p:blipFill>
+        <p:spPr>
+          <a:xfrm>
+            <a:off x="3613250" y="6357266"/>
+            <a:ext cx="1415950" cy="720966"/>
+          </a:xfrm>
+          <a:prstGeom prst="rect">
+            <a:avLst/>
+          </a:prstGeom>
+        </p:spPr>
+      </p:pic>
     </p:spTree>
     <p:extLst>
       <p:ext uri="{BB962C8B-B14F-4D97-AF65-F5344CB8AC3E}">
